--- a/Design.pptx
+++ b/Design.pptx
@@ -5,26 +5,28 @@
     <p:sldMasterId id="2147483648" r:id="rId1"/>
   </p:sldMasterIdLst>
   <p:sldIdLst>
-    <p:sldId id="256" r:id="rId2"/>
-    <p:sldId id="257" r:id="rId3"/>
-    <p:sldId id="258" r:id="rId4"/>
-    <p:sldId id="259" r:id="rId5"/>
-    <p:sldId id="260" r:id="rId6"/>
-    <p:sldId id="261" r:id="rId7"/>
-    <p:sldId id="262" r:id="rId8"/>
-    <p:sldId id="263" r:id="rId9"/>
-    <p:sldId id="264" r:id="rId10"/>
-    <p:sldId id="265" r:id="rId11"/>
-    <p:sldId id="266" r:id="rId12"/>
-    <p:sldId id="267" r:id="rId13"/>
-    <p:sldId id="268" r:id="rId14"/>
-    <p:sldId id="269" r:id="rId15"/>
-    <p:sldId id="270" r:id="rId16"/>
-    <p:sldId id="271" r:id="rId17"/>
-    <p:sldId id="272" r:id="rId18"/>
-    <p:sldId id="273" r:id="rId19"/>
-    <p:sldId id="274" r:id="rId20"/>
-    <p:sldId id="275" r:id="rId21"/>
+    <p:sldId id="276" r:id="rId2"/>
+    <p:sldId id="256" r:id="rId3"/>
+    <p:sldId id="257" r:id="rId4"/>
+    <p:sldId id="258" r:id="rId5"/>
+    <p:sldId id="277" r:id="rId6"/>
+    <p:sldId id="259" r:id="rId7"/>
+    <p:sldId id="260" r:id="rId8"/>
+    <p:sldId id="261" r:id="rId9"/>
+    <p:sldId id="262" r:id="rId10"/>
+    <p:sldId id="263" r:id="rId11"/>
+    <p:sldId id="264" r:id="rId12"/>
+    <p:sldId id="265" r:id="rId13"/>
+    <p:sldId id="266" r:id="rId14"/>
+    <p:sldId id="267" r:id="rId15"/>
+    <p:sldId id="268" r:id="rId16"/>
+    <p:sldId id="269" r:id="rId17"/>
+    <p:sldId id="270" r:id="rId18"/>
+    <p:sldId id="271" r:id="rId19"/>
+    <p:sldId id="272" r:id="rId20"/>
+    <p:sldId id="273" r:id="rId21"/>
+    <p:sldId id="274" r:id="rId22"/>
+    <p:sldId id="275" r:id="rId23"/>
   </p:sldIdLst>
   <p:sldSz cx="12192000" cy="6858000"/>
   <p:notesSz cx="6858000" cy="9144000"/>
@@ -123,6 +125,11 @@
       </a:defRPr>
     </a:lvl9pPr>
   </p:defaultTextStyle>
+  <p:extLst>
+    <p:ext uri="{EFAFB233-063F-42B5-8137-9DF3F51BA10A}">
+      <p15:sldGuideLst xmlns:p15="http://schemas.microsoft.com/office/powerpoint/2012/main"/>
+    </p:ext>
+  </p:extLst>
 </p:presentation>
 </file>
 
@@ -3340,46 +3347,205 @@
           <a:chExt cx="0" cy="0"/>
         </a:xfrm>
       </p:grpSpPr>
-      <p:pic>
-        <p:nvPicPr>
-          <p:cNvPr id="5" name="Picture 4">
-            <a:extLst>
-              <a:ext uri="{FF2B5EF4-FFF2-40B4-BE49-F238E27FC236}">
-                <a16:creationId xmlns:a16="http://schemas.microsoft.com/office/drawing/2014/main" id="{5A2709DC-BD92-4706-9B24-625BEA00736E}"/>
-              </a:ext>
-            </a:extLst>
-          </p:cNvPr>
-          <p:cNvPicPr>
-            <a:picLocks noChangeAspect="1"/>
-          </p:cNvPicPr>
-          <p:nvPr/>
-        </p:nvPicPr>
-        <p:blipFill>
-          <a:blip r:embed="rId2">
-            <a:extLst>
-              <a:ext uri="{28A0092B-C50C-407E-A947-70E740481C1C}">
-                <a14:useLocalDpi xmlns:a14="http://schemas.microsoft.com/office/drawing/2010/main" val="0"/>
-              </a:ext>
-            </a:extLst>
-          </a:blip>
-          <a:stretch>
-            <a:fillRect/>
-          </a:stretch>
-        </p:blipFill>
+      <p:sp>
+        <p:nvSpPr>
+          <p:cNvPr id="2" name="Title 1">
+            <a:extLst>
+              <a:ext uri="{FF2B5EF4-FFF2-40B4-BE49-F238E27FC236}">
+                <a16:creationId xmlns:a16="http://schemas.microsoft.com/office/drawing/2014/main" id="{4DF497E1-B63D-4B8D-8C4E-69C23130D346}"/>
+              </a:ext>
+            </a:extLst>
+          </p:cNvPr>
+          <p:cNvSpPr>
+            <a:spLocks noGrp="1"/>
+          </p:cNvSpPr>
+          <p:nvPr>
+            <p:ph type="title"/>
+          </p:nvPr>
+        </p:nvSpPr>
         <p:spPr>
           <a:xfrm>
-            <a:off x="668441" y="0"/>
-            <a:ext cx="10855118" cy="6858000"/>
+            <a:off x="838199" y="365125"/>
+            <a:ext cx="10515600" cy="2156133"/>
+          </a:xfrm>
+        </p:spPr>
+        <p:txBody>
+          <a:bodyPr>
+            <a:normAutofit fontScale="90000"/>
+          </a:bodyPr>
+          <a:lstStyle/>
+          <a:p>
+            <a:r>
+              <a:rPr lang="en-US" cap="small" dirty="0"/>
+              <a:t>DOOR SECURITY CONTROL SYSTEM</a:t>
+            </a:r>
+            <a:br>
+              <a:rPr lang="en-US" dirty="0"/>
+            </a:br>
+            <a:r>
+              <a:rPr lang="en-US" dirty="0"/>
+              <a:t>Submitted by: Group 14</a:t>
+            </a:r>
+            <a:br>
+              <a:rPr lang="en-US" dirty="0"/>
+            </a:br>
+            <a:br>
+              <a:rPr lang="en-US" dirty="0"/>
+            </a:br>
+            <a:endParaRPr lang="en-US" dirty="0"/>
+          </a:p>
+        </p:txBody>
+      </p:sp>
+      <p:sp>
+        <p:nvSpPr>
+          <p:cNvPr id="3" name="Content Placeholder 2">
+            <a:extLst>
+              <a:ext uri="{FF2B5EF4-FFF2-40B4-BE49-F238E27FC236}">
+                <a16:creationId xmlns:a16="http://schemas.microsoft.com/office/drawing/2014/main" id="{5995AF36-202F-4425-B55E-4C0496C9CC36}"/>
+              </a:ext>
+            </a:extLst>
+          </p:cNvPr>
+          <p:cNvSpPr>
+            <a:spLocks noGrp="1"/>
+          </p:cNvSpPr>
+          <p:nvPr>
+            <p:ph idx="1"/>
+          </p:nvPr>
+        </p:nvSpPr>
+        <p:spPr>
+          <a:xfrm>
+            <a:off x="7093257" y="4048217"/>
+            <a:ext cx="4864963" cy="2583402"/>
+          </a:xfrm>
+        </p:spPr>
+        <p:txBody>
+          <a:bodyPr>
+            <a:normAutofit fontScale="92500" lnSpcReduction="20000"/>
+          </a:bodyPr>
+          <a:lstStyle/>
+          <a:p>
+            <a:pPr marL="0" indent="0">
+              <a:buNone/>
+            </a:pPr>
+            <a:r>
+              <a:rPr lang="en-US" sz="2000" dirty="0"/>
+              <a:t>Group Members</a:t>
+            </a:r>
+          </a:p>
+          <a:p>
+            <a:r>
+              <a:rPr lang="en-US" sz="2000" dirty="0"/>
+              <a:t>Ashwin Kumar K (2017B5A81034G)</a:t>
+            </a:r>
+          </a:p>
+          <a:p>
+            <a:r>
+              <a:rPr lang="en-US" sz="2000" dirty="0" err="1"/>
+              <a:t>Sharvari</a:t>
+            </a:r>
+            <a:r>
+              <a:rPr lang="en-US" sz="2000" dirty="0"/>
+              <a:t> </a:t>
+            </a:r>
+            <a:r>
+              <a:rPr lang="en-US" sz="2000" dirty="0" err="1"/>
+              <a:t>Hedaoo</a:t>
+            </a:r>
+            <a:r>
+              <a:rPr lang="en-US" sz="2000" dirty="0"/>
+              <a:t> (2017B5A70593G)</a:t>
+            </a:r>
+          </a:p>
+          <a:p>
+            <a:r>
+              <a:rPr lang="en-US" sz="2000" dirty="0"/>
+              <a:t>Shreyas </a:t>
+            </a:r>
+            <a:r>
+              <a:rPr lang="en-US" sz="2000" dirty="0" err="1"/>
+              <a:t>Nisal</a:t>
+            </a:r>
+            <a:r>
+              <a:rPr lang="en-US" sz="2000" dirty="0"/>
+              <a:t> (2017B5A70310G)</a:t>
+            </a:r>
+          </a:p>
+          <a:p>
+            <a:r>
+              <a:rPr lang="en-US" sz="2000" dirty="0"/>
+              <a:t>Vaibhav Chaudhari (2017B5A70834G)</a:t>
+            </a:r>
+          </a:p>
+          <a:p>
+            <a:r>
+              <a:rPr lang="en-US" sz="2000" dirty="0" err="1"/>
+              <a:t>Vanshika</a:t>
+            </a:r>
+            <a:r>
+              <a:rPr lang="en-US" sz="2000" dirty="0"/>
+              <a:t> Kapoor (2017B5A70624G)</a:t>
+            </a:r>
+          </a:p>
+          <a:p>
+            <a:pPr marL="0" indent="0">
+              <a:buNone/>
+            </a:pPr>
+            <a:br>
+              <a:rPr lang="en-US" sz="2000" dirty="0"/>
+            </a:br>
+            <a:endParaRPr lang="en-US" sz="2000" dirty="0"/>
+          </a:p>
+        </p:txBody>
+      </p:sp>
+      <p:sp>
+        <p:nvSpPr>
+          <p:cNvPr id="4" name="AutoShape 2">
+            <a:extLst>
+              <a:ext uri="{FF2B5EF4-FFF2-40B4-BE49-F238E27FC236}">
+                <a16:creationId xmlns:a16="http://schemas.microsoft.com/office/drawing/2014/main" id="{43B5A41A-A60A-48F4-83ED-F9CEB88BF89C}"/>
+              </a:ext>
+            </a:extLst>
+          </p:cNvPr>
+          <p:cNvSpPr>
+            <a:spLocks noChangeAspect="1" noChangeArrowheads="1"/>
+          </p:cNvSpPr>
+          <p:nvPr/>
+        </p:nvSpPr>
+        <p:spPr bwMode="auto">
+          <a:xfrm>
+            <a:off x="2433637" y="1600200"/>
+            <a:ext cx="7324725" cy="3657600"/>
           </a:xfrm>
           <a:prstGeom prst="rect">
             <a:avLst/>
           </a:prstGeom>
+          <a:noFill/>
+          <a:extLst>
+            <a:ext uri="{909E8E84-426E-40DD-AFC4-6F175D3DCCD1}">
+              <a14:hiddenFill xmlns:a14="http://schemas.microsoft.com/office/drawing/2010/main">
+                <a:solidFill>
+                  <a:srgbClr val="FFFFFF"/>
+                </a:solidFill>
+              </a14:hiddenFill>
+            </a:ext>
+          </a:extLst>
         </p:spPr>
-      </p:pic>
+        <p:txBody>
+          <a:bodyPr vert="horz" wrap="square" lIns="91440" tIns="45720" rIns="91440" bIns="45720" numCol="1" anchor="t" anchorCtr="0" compatLnSpc="1">
+            <a:prstTxWarp prst="textNoShape">
+              <a:avLst/>
+            </a:prstTxWarp>
+          </a:bodyPr>
+          <a:lstStyle/>
+          <a:p>
+            <a:endParaRPr lang="en-US"/>
+          </a:p>
+        </p:txBody>
+      </p:sp>
     </p:spTree>
     <p:extLst>
       <p:ext uri="{BB962C8B-B14F-4D97-AF65-F5344CB8AC3E}">
-        <p14:creationId xmlns:p14="http://schemas.microsoft.com/office/powerpoint/2010/main" val="2701221862"/>
+        <p14:creationId xmlns:p14="http://schemas.microsoft.com/office/powerpoint/2010/main" val="2497207661"/>
       </p:ext>
     </p:extLst>
   </p:cSld>
@@ -3408,10 +3574,10 @@
       </p:grpSpPr>
       <p:pic>
         <p:nvPicPr>
-          <p:cNvPr id="7" name="Picture 6">
-            <a:extLst>
-              <a:ext uri="{FF2B5EF4-FFF2-40B4-BE49-F238E27FC236}">
-                <a16:creationId xmlns:a16="http://schemas.microsoft.com/office/drawing/2014/main" id="{E474E90F-D096-4F47-939C-B807E3ADB6B3}"/>
+          <p:cNvPr id="3" name="Picture 2">
+            <a:extLst>
+              <a:ext uri="{FF2B5EF4-FFF2-40B4-BE49-F238E27FC236}">
+                <a16:creationId xmlns:a16="http://schemas.microsoft.com/office/drawing/2014/main" id="{84C776DF-69E7-4378-9ACE-72F899903FD0}"/>
               </a:ext>
             </a:extLst>
           </p:cNvPr>
@@ -3434,8 +3600,8 @@
         </p:blipFill>
         <p:spPr>
           <a:xfrm>
-            <a:off x="1609112" y="0"/>
-            <a:ext cx="8652933" cy="6858000"/>
+            <a:off x="3155438" y="0"/>
+            <a:ext cx="5881123" cy="6858000"/>
           </a:xfrm>
           <a:prstGeom prst="rect">
             <a:avLst/>
@@ -3445,7 +3611,7 @@
     </p:spTree>
     <p:extLst>
       <p:ext uri="{BB962C8B-B14F-4D97-AF65-F5344CB8AC3E}">
-        <p14:creationId xmlns:p14="http://schemas.microsoft.com/office/powerpoint/2010/main" val="1606788913"/>
+        <p14:creationId xmlns:p14="http://schemas.microsoft.com/office/powerpoint/2010/main" val="3421989114"/>
       </p:ext>
     </p:extLst>
   </p:cSld>
@@ -3477,6 +3643,138 @@
           <p:cNvPr id="5" name="Picture 4">
             <a:extLst>
               <a:ext uri="{FF2B5EF4-FFF2-40B4-BE49-F238E27FC236}">
+                <a16:creationId xmlns:a16="http://schemas.microsoft.com/office/drawing/2014/main" id="{B4CE723A-13AB-4BA5-A8F2-1AF2EB487E6D}"/>
+              </a:ext>
+            </a:extLst>
+          </p:cNvPr>
+          <p:cNvPicPr>
+            <a:picLocks noChangeAspect="1"/>
+          </p:cNvPicPr>
+          <p:nvPr/>
+        </p:nvPicPr>
+        <p:blipFill>
+          <a:blip r:embed="rId2">
+            <a:extLst>
+              <a:ext uri="{28A0092B-C50C-407E-A947-70E740481C1C}">
+                <a14:useLocalDpi xmlns:a14="http://schemas.microsoft.com/office/drawing/2010/main" val="0"/>
+              </a:ext>
+            </a:extLst>
+          </a:blip>
+          <a:stretch>
+            <a:fillRect/>
+          </a:stretch>
+        </p:blipFill>
+        <p:spPr>
+          <a:xfrm>
+            <a:off x="0" y="29066"/>
+            <a:ext cx="12192000" cy="6799868"/>
+          </a:xfrm>
+          <a:prstGeom prst="rect">
+            <a:avLst/>
+          </a:prstGeom>
+        </p:spPr>
+      </p:pic>
+    </p:spTree>
+    <p:extLst>
+      <p:ext uri="{BB962C8B-B14F-4D97-AF65-F5344CB8AC3E}">
+        <p14:creationId xmlns:p14="http://schemas.microsoft.com/office/powerpoint/2010/main" val="2104728722"/>
+      </p:ext>
+    </p:extLst>
+  </p:cSld>
+  <p:clrMapOvr>
+    <a:masterClrMapping/>
+  </p:clrMapOvr>
+</p:sld>
+</file>
+
+<file path=ppt/slides/slide12.xml><?xml version="1.0" encoding="utf-8"?>
+<p:sld xmlns:a="http://schemas.openxmlformats.org/drawingml/2006/main" xmlns:r="http://schemas.openxmlformats.org/officeDocument/2006/relationships" xmlns:p="http://schemas.openxmlformats.org/presentationml/2006/main">
+  <p:cSld>
+    <p:spTree>
+      <p:nvGrpSpPr>
+        <p:cNvPr id="1" name=""/>
+        <p:cNvGrpSpPr/>
+        <p:nvPr/>
+      </p:nvGrpSpPr>
+      <p:grpSpPr>
+        <a:xfrm>
+          <a:off x="0" y="0"/>
+          <a:ext cx="0" cy="0"/>
+          <a:chOff x="0" y="0"/>
+          <a:chExt cx="0" cy="0"/>
+        </a:xfrm>
+      </p:grpSpPr>
+      <p:pic>
+        <p:nvPicPr>
+          <p:cNvPr id="7" name="Picture 6">
+            <a:extLst>
+              <a:ext uri="{FF2B5EF4-FFF2-40B4-BE49-F238E27FC236}">
+                <a16:creationId xmlns:a16="http://schemas.microsoft.com/office/drawing/2014/main" id="{E474E90F-D096-4F47-939C-B807E3ADB6B3}"/>
+              </a:ext>
+            </a:extLst>
+          </p:cNvPr>
+          <p:cNvPicPr>
+            <a:picLocks noChangeAspect="1"/>
+          </p:cNvPicPr>
+          <p:nvPr/>
+        </p:nvPicPr>
+        <p:blipFill>
+          <a:blip r:embed="rId2">
+            <a:extLst>
+              <a:ext uri="{28A0092B-C50C-407E-A947-70E740481C1C}">
+                <a14:useLocalDpi xmlns:a14="http://schemas.microsoft.com/office/drawing/2010/main" val="0"/>
+              </a:ext>
+            </a:extLst>
+          </a:blip>
+          <a:stretch>
+            <a:fillRect/>
+          </a:stretch>
+        </p:blipFill>
+        <p:spPr>
+          <a:xfrm>
+            <a:off x="1609112" y="0"/>
+            <a:ext cx="8652933" cy="6858000"/>
+          </a:xfrm>
+          <a:prstGeom prst="rect">
+            <a:avLst/>
+          </a:prstGeom>
+        </p:spPr>
+      </p:pic>
+    </p:spTree>
+    <p:extLst>
+      <p:ext uri="{BB962C8B-B14F-4D97-AF65-F5344CB8AC3E}">
+        <p14:creationId xmlns:p14="http://schemas.microsoft.com/office/powerpoint/2010/main" val="1606788913"/>
+      </p:ext>
+    </p:extLst>
+  </p:cSld>
+  <p:clrMapOvr>
+    <a:masterClrMapping/>
+  </p:clrMapOvr>
+</p:sld>
+</file>
+
+<file path=ppt/slides/slide13.xml><?xml version="1.0" encoding="utf-8"?>
+<p:sld xmlns:a="http://schemas.openxmlformats.org/drawingml/2006/main" xmlns:r="http://schemas.openxmlformats.org/officeDocument/2006/relationships" xmlns:p="http://schemas.openxmlformats.org/presentationml/2006/main">
+  <p:cSld>
+    <p:spTree>
+      <p:nvGrpSpPr>
+        <p:cNvPr id="1" name=""/>
+        <p:cNvGrpSpPr/>
+        <p:nvPr/>
+      </p:nvGrpSpPr>
+      <p:grpSpPr>
+        <a:xfrm>
+          <a:off x="0" y="0"/>
+          <a:ext cx="0" cy="0"/>
+          <a:chOff x="0" y="0"/>
+          <a:chExt cx="0" cy="0"/>
+        </a:xfrm>
+      </p:grpSpPr>
+      <p:pic>
+        <p:nvPicPr>
+          <p:cNvPr id="5" name="Picture 4">
+            <a:extLst>
+              <a:ext uri="{FF2B5EF4-FFF2-40B4-BE49-F238E27FC236}">
                 <a16:creationId xmlns:a16="http://schemas.microsoft.com/office/drawing/2014/main" id="{6FD7D6F6-B18D-4CE4-B8FE-6F7CD79C044A}"/>
               </a:ext>
             </a:extLst>
@@ -3521,7 +3819,7 @@
 </p:sld>
 </file>
 
-<file path=ppt/slides/slide12.xml><?xml version="1.0" encoding="utf-8"?>
+<file path=ppt/slides/slide14.xml><?xml version="1.0" encoding="utf-8"?>
 <p:sld xmlns:a="http://schemas.openxmlformats.org/drawingml/2006/main" xmlns:r="http://schemas.openxmlformats.org/officeDocument/2006/relationships" xmlns:p="http://schemas.openxmlformats.org/presentationml/2006/main">
   <p:cSld>
     <p:spTree>
@@ -3578,138 +3876,6 @@
     <p:extLst>
       <p:ext uri="{BB962C8B-B14F-4D97-AF65-F5344CB8AC3E}">
         <p14:creationId xmlns:p14="http://schemas.microsoft.com/office/powerpoint/2010/main" val="3784189040"/>
-      </p:ext>
-    </p:extLst>
-  </p:cSld>
-  <p:clrMapOvr>
-    <a:masterClrMapping/>
-  </p:clrMapOvr>
-</p:sld>
-</file>
-
-<file path=ppt/slides/slide13.xml><?xml version="1.0" encoding="utf-8"?>
-<p:sld xmlns:a="http://schemas.openxmlformats.org/drawingml/2006/main" xmlns:r="http://schemas.openxmlformats.org/officeDocument/2006/relationships" xmlns:p="http://schemas.openxmlformats.org/presentationml/2006/main">
-  <p:cSld>
-    <p:spTree>
-      <p:nvGrpSpPr>
-        <p:cNvPr id="1" name=""/>
-        <p:cNvGrpSpPr/>
-        <p:nvPr/>
-      </p:nvGrpSpPr>
-      <p:grpSpPr>
-        <a:xfrm>
-          <a:off x="0" y="0"/>
-          <a:ext cx="0" cy="0"/>
-          <a:chOff x="0" y="0"/>
-          <a:chExt cx="0" cy="0"/>
-        </a:xfrm>
-      </p:grpSpPr>
-      <p:pic>
-        <p:nvPicPr>
-          <p:cNvPr id="7" name="Picture 6">
-            <a:extLst>
-              <a:ext uri="{FF2B5EF4-FFF2-40B4-BE49-F238E27FC236}">
-                <a16:creationId xmlns:a16="http://schemas.microsoft.com/office/drawing/2014/main" id="{58A92835-7F81-4555-9660-400C4B26A53A}"/>
-              </a:ext>
-            </a:extLst>
-          </p:cNvPr>
-          <p:cNvPicPr>
-            <a:picLocks noChangeAspect="1"/>
-          </p:cNvPicPr>
-          <p:nvPr/>
-        </p:nvPicPr>
-        <p:blipFill>
-          <a:blip r:embed="rId2">
-            <a:extLst>
-              <a:ext uri="{28A0092B-C50C-407E-A947-70E740481C1C}">
-                <a14:useLocalDpi xmlns:a14="http://schemas.microsoft.com/office/drawing/2010/main" val="0"/>
-              </a:ext>
-            </a:extLst>
-          </a:blip>
-          <a:stretch>
-            <a:fillRect/>
-          </a:stretch>
-        </p:blipFill>
-        <p:spPr>
-          <a:xfrm>
-            <a:off x="1245111" y="0"/>
-            <a:ext cx="9701778" cy="6858000"/>
-          </a:xfrm>
-          <a:prstGeom prst="rect">
-            <a:avLst/>
-          </a:prstGeom>
-        </p:spPr>
-      </p:pic>
-    </p:spTree>
-    <p:extLst>
-      <p:ext uri="{BB962C8B-B14F-4D97-AF65-F5344CB8AC3E}">
-        <p14:creationId xmlns:p14="http://schemas.microsoft.com/office/powerpoint/2010/main" val="121230335"/>
-      </p:ext>
-    </p:extLst>
-  </p:cSld>
-  <p:clrMapOvr>
-    <a:masterClrMapping/>
-  </p:clrMapOvr>
-</p:sld>
-</file>
-
-<file path=ppt/slides/slide14.xml><?xml version="1.0" encoding="utf-8"?>
-<p:sld xmlns:a="http://schemas.openxmlformats.org/drawingml/2006/main" xmlns:r="http://schemas.openxmlformats.org/officeDocument/2006/relationships" xmlns:p="http://schemas.openxmlformats.org/presentationml/2006/main">
-  <p:cSld>
-    <p:spTree>
-      <p:nvGrpSpPr>
-        <p:cNvPr id="1" name=""/>
-        <p:cNvGrpSpPr/>
-        <p:nvPr/>
-      </p:nvGrpSpPr>
-      <p:grpSpPr>
-        <a:xfrm>
-          <a:off x="0" y="0"/>
-          <a:ext cx="0" cy="0"/>
-          <a:chOff x="0" y="0"/>
-          <a:chExt cx="0" cy="0"/>
-        </a:xfrm>
-      </p:grpSpPr>
-      <p:pic>
-        <p:nvPicPr>
-          <p:cNvPr id="7" name="Picture 6">
-            <a:extLst>
-              <a:ext uri="{FF2B5EF4-FFF2-40B4-BE49-F238E27FC236}">
-                <a16:creationId xmlns:a16="http://schemas.microsoft.com/office/drawing/2014/main" id="{9A6759CC-7EBF-4D0B-8536-15F56AE92BCA}"/>
-              </a:ext>
-            </a:extLst>
-          </p:cNvPr>
-          <p:cNvPicPr>
-            <a:picLocks noChangeAspect="1"/>
-          </p:cNvPicPr>
-          <p:nvPr/>
-        </p:nvPicPr>
-        <p:blipFill>
-          <a:blip r:embed="rId2">
-            <a:extLst>
-              <a:ext uri="{28A0092B-C50C-407E-A947-70E740481C1C}">
-                <a14:useLocalDpi xmlns:a14="http://schemas.microsoft.com/office/drawing/2010/main" val="0"/>
-              </a:ext>
-            </a:extLst>
-          </a:blip>
-          <a:stretch>
-            <a:fillRect/>
-          </a:stretch>
-        </p:blipFill>
-        <p:spPr>
-          <a:xfrm>
-            <a:off x="2074998" y="0"/>
-            <a:ext cx="8042004" cy="6858000"/>
-          </a:xfrm>
-          <a:prstGeom prst="rect">
-            <a:avLst/>
-          </a:prstGeom>
-        </p:spPr>
-      </p:pic>
-    </p:spTree>
-    <p:extLst>
-      <p:ext uri="{BB962C8B-B14F-4D97-AF65-F5344CB8AC3E}">
-        <p14:creationId xmlns:p14="http://schemas.microsoft.com/office/powerpoint/2010/main" val="4245343135"/>
       </p:ext>
     </p:extLst>
   </p:cSld>
@@ -3741,7 +3907,139 @@
           <p:cNvPr id="7" name="Picture 6">
             <a:extLst>
               <a:ext uri="{FF2B5EF4-FFF2-40B4-BE49-F238E27FC236}">
-                <a16:creationId xmlns:a16="http://schemas.microsoft.com/office/drawing/2014/main" id="{F7F078C0-38C5-4E62-861C-608E376ED2FC}"/>
+                <a16:creationId xmlns:a16="http://schemas.microsoft.com/office/drawing/2014/main" id="{58A92835-7F81-4555-9660-400C4B26A53A}"/>
+              </a:ext>
+            </a:extLst>
+          </p:cNvPr>
+          <p:cNvPicPr>
+            <a:picLocks noChangeAspect="1"/>
+          </p:cNvPicPr>
+          <p:nvPr/>
+        </p:nvPicPr>
+        <p:blipFill>
+          <a:blip r:embed="rId2">
+            <a:extLst>
+              <a:ext uri="{28A0092B-C50C-407E-A947-70E740481C1C}">
+                <a14:useLocalDpi xmlns:a14="http://schemas.microsoft.com/office/drawing/2010/main" val="0"/>
+              </a:ext>
+            </a:extLst>
+          </a:blip>
+          <a:stretch>
+            <a:fillRect/>
+          </a:stretch>
+        </p:blipFill>
+        <p:spPr>
+          <a:xfrm>
+            <a:off x="1245111" y="0"/>
+            <a:ext cx="9701778" cy="6858000"/>
+          </a:xfrm>
+          <a:prstGeom prst="rect">
+            <a:avLst/>
+          </a:prstGeom>
+        </p:spPr>
+      </p:pic>
+    </p:spTree>
+    <p:extLst>
+      <p:ext uri="{BB962C8B-B14F-4D97-AF65-F5344CB8AC3E}">
+        <p14:creationId xmlns:p14="http://schemas.microsoft.com/office/powerpoint/2010/main" val="121230335"/>
+      </p:ext>
+    </p:extLst>
+  </p:cSld>
+  <p:clrMapOvr>
+    <a:masterClrMapping/>
+  </p:clrMapOvr>
+</p:sld>
+</file>
+
+<file path=ppt/slides/slide16.xml><?xml version="1.0" encoding="utf-8"?>
+<p:sld xmlns:a="http://schemas.openxmlformats.org/drawingml/2006/main" xmlns:r="http://schemas.openxmlformats.org/officeDocument/2006/relationships" xmlns:p="http://schemas.openxmlformats.org/presentationml/2006/main">
+  <p:cSld>
+    <p:spTree>
+      <p:nvGrpSpPr>
+        <p:cNvPr id="1" name=""/>
+        <p:cNvGrpSpPr/>
+        <p:nvPr/>
+      </p:nvGrpSpPr>
+      <p:grpSpPr>
+        <a:xfrm>
+          <a:off x="0" y="0"/>
+          <a:ext cx="0" cy="0"/>
+          <a:chOff x="0" y="0"/>
+          <a:chExt cx="0" cy="0"/>
+        </a:xfrm>
+      </p:grpSpPr>
+      <p:pic>
+        <p:nvPicPr>
+          <p:cNvPr id="7" name="Picture 6">
+            <a:extLst>
+              <a:ext uri="{FF2B5EF4-FFF2-40B4-BE49-F238E27FC236}">
+                <a16:creationId xmlns:a16="http://schemas.microsoft.com/office/drawing/2014/main" id="{9A6759CC-7EBF-4D0B-8536-15F56AE92BCA}"/>
+              </a:ext>
+            </a:extLst>
+          </p:cNvPr>
+          <p:cNvPicPr>
+            <a:picLocks noChangeAspect="1"/>
+          </p:cNvPicPr>
+          <p:nvPr/>
+        </p:nvPicPr>
+        <p:blipFill>
+          <a:blip r:embed="rId2">
+            <a:extLst>
+              <a:ext uri="{28A0092B-C50C-407E-A947-70E740481C1C}">
+                <a14:useLocalDpi xmlns:a14="http://schemas.microsoft.com/office/drawing/2010/main" val="0"/>
+              </a:ext>
+            </a:extLst>
+          </a:blip>
+          <a:stretch>
+            <a:fillRect/>
+          </a:stretch>
+        </p:blipFill>
+        <p:spPr>
+          <a:xfrm>
+            <a:off x="2074998" y="0"/>
+            <a:ext cx="8042004" cy="6858000"/>
+          </a:xfrm>
+          <a:prstGeom prst="rect">
+            <a:avLst/>
+          </a:prstGeom>
+        </p:spPr>
+      </p:pic>
+    </p:spTree>
+    <p:extLst>
+      <p:ext uri="{BB962C8B-B14F-4D97-AF65-F5344CB8AC3E}">
+        <p14:creationId xmlns:p14="http://schemas.microsoft.com/office/powerpoint/2010/main" val="4245343135"/>
+      </p:ext>
+    </p:extLst>
+  </p:cSld>
+  <p:clrMapOvr>
+    <a:masterClrMapping/>
+  </p:clrMapOvr>
+</p:sld>
+</file>
+
+<file path=ppt/slides/slide17.xml><?xml version="1.0" encoding="utf-8"?>
+<p:sld xmlns:a="http://schemas.openxmlformats.org/drawingml/2006/main" xmlns:r="http://schemas.openxmlformats.org/officeDocument/2006/relationships" xmlns:p="http://schemas.openxmlformats.org/presentationml/2006/main">
+  <p:cSld>
+    <p:spTree>
+      <p:nvGrpSpPr>
+        <p:cNvPr id="1" name=""/>
+        <p:cNvGrpSpPr/>
+        <p:nvPr/>
+      </p:nvGrpSpPr>
+      <p:grpSpPr>
+        <a:xfrm>
+          <a:off x="0" y="0"/>
+          <a:ext cx="0" cy="0"/>
+          <a:chOff x="0" y="0"/>
+          <a:chExt cx="0" cy="0"/>
+        </a:xfrm>
+      </p:grpSpPr>
+      <p:pic>
+        <p:nvPicPr>
+          <p:cNvPr id="3" name="Picture 2">
+            <a:extLst>
+              <a:ext uri="{FF2B5EF4-FFF2-40B4-BE49-F238E27FC236}">
+                <a16:creationId xmlns:a16="http://schemas.microsoft.com/office/drawing/2014/main" id="{50B33541-726E-4EF3-ABA4-B42736CB9B39}"/>
               </a:ext>
             </a:extLst>
           </p:cNvPr>
@@ -3785,7 +4083,7 @@
 </p:sld>
 </file>
 
-<file path=ppt/slides/slide16.xml><?xml version="1.0" encoding="utf-8"?>
+<file path=ppt/slides/slide18.xml><?xml version="1.0" encoding="utf-8"?>
 <p:sld xmlns:a="http://schemas.openxmlformats.org/drawingml/2006/main" xmlns:r="http://schemas.openxmlformats.org/officeDocument/2006/relationships" xmlns:p="http://schemas.openxmlformats.org/presentationml/2006/main">
   <p:cSld>
     <p:spTree>
@@ -3838,6 +4136,41 @@
           </a:prstGeom>
         </p:spPr>
       </p:pic>
+      <p:sp>
+        <p:nvSpPr>
+          <p:cNvPr id="2" name="TextBox 1">
+            <a:extLst>
+              <a:ext uri="{FF2B5EF4-FFF2-40B4-BE49-F238E27FC236}">
+                <a16:creationId xmlns:a16="http://schemas.microsoft.com/office/drawing/2014/main" id="{1C67B890-E4D5-4D2E-9DBD-FC6E2A0A5F79}"/>
+              </a:ext>
+            </a:extLst>
+          </p:cNvPr>
+          <p:cNvSpPr txBox="1"/>
+          <p:nvPr/>
+        </p:nvSpPr>
+        <p:spPr>
+          <a:xfrm>
+            <a:off x="5291092" y="6196613"/>
+            <a:ext cx="3453413" cy="369332"/>
+          </a:xfrm>
+          <a:prstGeom prst="rect">
+            <a:avLst/>
+          </a:prstGeom>
+          <a:noFill/>
+        </p:spPr>
+        <p:txBody>
+          <a:bodyPr wrap="square" rtlCol="0">
+            <a:spAutoFit/>
+          </a:bodyPr>
+          <a:lstStyle/>
+          <a:p>
+            <a:r>
+              <a:rPr lang="en-US" dirty="0"/>
+              <a:t>Keypad</a:t>
+            </a:r>
+          </a:p>
+        </p:txBody>
+      </p:sp>
     </p:spTree>
     <p:extLst>
       <p:ext uri="{BB962C8B-B14F-4D97-AF65-F5344CB8AC3E}">
@@ -3851,7 +4184,7 @@
 </p:sld>
 </file>
 
-<file path=ppt/slides/slide17.xml><?xml version="1.0" encoding="utf-8"?>
+<file path=ppt/slides/slide19.xml><?xml version="1.0" encoding="utf-8"?>
 <p:sld xmlns:a="http://schemas.openxmlformats.org/drawingml/2006/main" xmlns:r="http://schemas.openxmlformats.org/officeDocument/2006/relationships" xmlns:p="http://schemas.openxmlformats.org/presentationml/2006/main">
   <p:cSld>
     <p:spTree>
@@ -3904,6 +4237,44 @@
           </a:prstGeom>
         </p:spPr>
       </p:pic>
+      <p:sp>
+        <p:nvSpPr>
+          <p:cNvPr id="2" name="TextBox 1">
+            <a:extLst>
+              <a:ext uri="{FF2B5EF4-FFF2-40B4-BE49-F238E27FC236}">
+                <a16:creationId xmlns:a16="http://schemas.microsoft.com/office/drawing/2014/main" id="{0AC1DB34-AABB-4B70-A3A6-12E7D938E9F9}"/>
+              </a:ext>
+            </a:extLst>
+          </p:cNvPr>
+          <p:cNvSpPr txBox="1"/>
+          <p:nvPr/>
+        </p:nvSpPr>
+        <p:spPr>
+          <a:xfrm>
+            <a:off x="4589755" y="6143348"/>
+            <a:ext cx="3728622" cy="646331"/>
+          </a:xfrm>
+          <a:prstGeom prst="rect">
+            <a:avLst/>
+          </a:prstGeom>
+          <a:noFill/>
+        </p:spPr>
+        <p:txBody>
+          <a:bodyPr wrap="square" rtlCol="0">
+            <a:spAutoFit/>
+          </a:bodyPr>
+          <a:lstStyle/>
+          <a:p>
+            <a:r>
+              <a:rPr lang="en-US" dirty="0"/>
+              <a:t>16*2 LCD Display</a:t>
+            </a:r>
+          </a:p>
+          <a:p>
+            <a:endParaRPr lang="en-US" dirty="0"/>
+          </a:p>
+        </p:txBody>
+      </p:sp>
     </p:spTree>
     <p:extLst>
       <p:ext uri="{BB962C8B-B14F-4D97-AF65-F5344CB8AC3E}">
@@ -3917,7 +4288,73 @@
 </p:sld>
 </file>
 
-<file path=ppt/slides/slide18.xml><?xml version="1.0" encoding="utf-8"?>
+<file path=ppt/slides/slide2.xml><?xml version="1.0" encoding="utf-8"?>
+<p:sld xmlns:a="http://schemas.openxmlformats.org/drawingml/2006/main" xmlns:r="http://schemas.openxmlformats.org/officeDocument/2006/relationships" xmlns:p="http://schemas.openxmlformats.org/presentationml/2006/main">
+  <p:cSld>
+    <p:spTree>
+      <p:nvGrpSpPr>
+        <p:cNvPr id="1" name=""/>
+        <p:cNvGrpSpPr/>
+        <p:nvPr/>
+      </p:nvGrpSpPr>
+      <p:grpSpPr>
+        <a:xfrm>
+          <a:off x="0" y="0"/>
+          <a:ext cx="0" cy="0"/>
+          <a:chOff x="0" y="0"/>
+          <a:chExt cx="0" cy="0"/>
+        </a:xfrm>
+      </p:grpSpPr>
+      <p:pic>
+        <p:nvPicPr>
+          <p:cNvPr id="3" name="Picture 2">
+            <a:extLst>
+              <a:ext uri="{FF2B5EF4-FFF2-40B4-BE49-F238E27FC236}">
+                <a16:creationId xmlns:a16="http://schemas.microsoft.com/office/drawing/2014/main" id="{59F62057-E0FF-491F-AA15-6A95D0B2FB88}"/>
+              </a:ext>
+            </a:extLst>
+          </p:cNvPr>
+          <p:cNvPicPr>
+            <a:picLocks noChangeAspect="1"/>
+          </p:cNvPicPr>
+          <p:nvPr/>
+        </p:nvPicPr>
+        <p:blipFill>
+          <a:blip r:embed="rId2">
+            <a:extLst>
+              <a:ext uri="{28A0092B-C50C-407E-A947-70E740481C1C}">
+                <a14:useLocalDpi xmlns:a14="http://schemas.microsoft.com/office/drawing/2010/main" val="0"/>
+              </a:ext>
+            </a:extLst>
+          </a:blip>
+          <a:stretch>
+            <a:fillRect/>
+          </a:stretch>
+        </p:blipFill>
+        <p:spPr>
+          <a:xfrm>
+            <a:off x="668441" y="0"/>
+            <a:ext cx="10855118" cy="6858000"/>
+          </a:xfrm>
+          <a:prstGeom prst="rect">
+            <a:avLst/>
+          </a:prstGeom>
+        </p:spPr>
+      </p:pic>
+    </p:spTree>
+    <p:extLst>
+      <p:ext uri="{BB962C8B-B14F-4D97-AF65-F5344CB8AC3E}">
+        <p14:creationId xmlns:p14="http://schemas.microsoft.com/office/powerpoint/2010/main" val="2701221862"/>
+      </p:ext>
+    </p:extLst>
+  </p:cSld>
+  <p:clrMapOvr>
+    <a:masterClrMapping/>
+  </p:clrMapOvr>
+</p:sld>
+</file>
+
+<file path=ppt/slides/slide20.xml><?xml version="1.0" encoding="utf-8"?>
 <p:sld xmlns:a="http://schemas.openxmlformats.org/drawingml/2006/main" xmlns:r="http://schemas.openxmlformats.org/officeDocument/2006/relationships" xmlns:p="http://schemas.openxmlformats.org/presentationml/2006/main">
   <p:cSld>
     <p:spTree>
@@ -3983,7 +4420,7 @@
 </p:sld>
 </file>
 
-<file path=ppt/slides/slide19.xml><?xml version="1.0" encoding="utf-8"?>
+<file path=ppt/slides/slide21.xml><?xml version="1.0" encoding="utf-8"?>
 <p:sld xmlns:a="http://schemas.openxmlformats.org/drawingml/2006/main" xmlns:r="http://schemas.openxmlformats.org/officeDocument/2006/relationships" xmlns:p="http://schemas.openxmlformats.org/presentationml/2006/main">
   <p:cSld>
     <p:spTree>
@@ -4049,72 +4486,7 @@
 </p:sld>
 </file>
 
-<file path=ppt/slides/slide2.xml><?xml version="1.0" encoding="utf-8"?>
-<p:sld xmlns:a="http://schemas.openxmlformats.org/drawingml/2006/main" xmlns:r="http://schemas.openxmlformats.org/officeDocument/2006/relationships" xmlns:p="http://schemas.openxmlformats.org/presentationml/2006/main">
-  <p:cSld>
-    <p:spTree>
-      <p:nvGrpSpPr>
-        <p:cNvPr id="1" name=""/>
-        <p:cNvGrpSpPr/>
-        <p:nvPr/>
-      </p:nvGrpSpPr>
-      <p:grpSpPr>
-        <a:xfrm>
-          <a:off x="0" y="0"/>
-          <a:ext cx="0" cy="0"/>
-          <a:chOff x="0" y="0"/>
-          <a:chExt cx="0" cy="0"/>
-        </a:xfrm>
-      </p:grpSpPr>
-      <p:pic>
-        <p:nvPicPr>
-          <p:cNvPr id="5" name="Content Placeholder 4">
-            <a:extLst>
-              <a:ext uri="{FF2B5EF4-FFF2-40B4-BE49-F238E27FC236}">
-                <a16:creationId xmlns:a16="http://schemas.microsoft.com/office/drawing/2014/main" id="{C4D0F75F-1BC7-41F9-ADE7-6AFBC91CF90E}"/>
-              </a:ext>
-            </a:extLst>
-          </p:cNvPr>
-          <p:cNvPicPr>
-            <a:picLocks noGrp="1" noChangeAspect="1"/>
-          </p:cNvPicPr>
-          <p:nvPr>
-            <p:ph idx="1"/>
-          </p:nvPr>
-        </p:nvPicPr>
-        <p:blipFill>
-          <a:blip r:embed="rId2">
-            <a:extLst>
-              <a:ext uri="{28A0092B-C50C-407E-A947-70E740481C1C}">
-                <a14:useLocalDpi xmlns:a14="http://schemas.microsoft.com/office/drawing/2010/main" val="0"/>
-              </a:ext>
-            </a:extLst>
-          </a:blip>
-          <a:stretch>
-            <a:fillRect/>
-          </a:stretch>
-        </p:blipFill>
-        <p:spPr>
-          <a:xfrm>
-            <a:off x="1812758" y="76897"/>
-            <a:ext cx="8566484" cy="6704205"/>
-          </a:xfrm>
-        </p:spPr>
-      </p:pic>
-    </p:spTree>
-    <p:extLst>
-      <p:ext uri="{BB962C8B-B14F-4D97-AF65-F5344CB8AC3E}">
-        <p14:creationId xmlns:p14="http://schemas.microsoft.com/office/powerpoint/2010/main" val="2329751400"/>
-      </p:ext>
-    </p:extLst>
-  </p:cSld>
-  <p:clrMapOvr>
-    <a:masterClrMapping/>
-  </p:clrMapOvr>
-</p:sld>
-</file>
-
-<file path=ppt/slides/slide20.xml><?xml version="1.0" encoding="utf-8"?>
+<file path=ppt/slides/slide22.xml><?xml version="1.0" encoding="utf-8"?>
 <p:sld xmlns:a="http://schemas.openxmlformats.org/drawingml/2006/main" xmlns:r="http://schemas.openxmlformats.org/officeDocument/2006/relationships" xmlns:p="http://schemas.openxmlformats.org/presentationml/2006/main">
   <p:cSld>
     <p:spTree>
@@ -4199,6 +4571,71 @@
       </p:grpSpPr>
       <p:pic>
         <p:nvPicPr>
+          <p:cNvPr id="6" name="Content Placeholder 5">
+            <a:extLst>
+              <a:ext uri="{FF2B5EF4-FFF2-40B4-BE49-F238E27FC236}">
+                <a16:creationId xmlns:a16="http://schemas.microsoft.com/office/drawing/2014/main" id="{EC23477D-5CE0-43D1-9EE6-AC8C546739D6}"/>
+              </a:ext>
+            </a:extLst>
+          </p:cNvPr>
+          <p:cNvPicPr>
+            <a:picLocks noGrp="1" noChangeAspect="1"/>
+          </p:cNvPicPr>
+          <p:nvPr>
+            <p:ph idx="1"/>
+          </p:nvPr>
+        </p:nvPicPr>
+        <p:blipFill>
+          <a:blip r:embed="rId2">
+            <a:extLst>
+              <a:ext uri="{28A0092B-C50C-407E-A947-70E740481C1C}">
+                <a14:useLocalDpi xmlns:a14="http://schemas.microsoft.com/office/drawing/2010/main" val="0"/>
+              </a:ext>
+            </a:extLst>
+          </a:blip>
+          <a:stretch>
+            <a:fillRect/>
+          </a:stretch>
+        </p:blipFill>
+        <p:spPr>
+          <a:xfrm>
+            <a:off x="2053391" y="45511"/>
+            <a:ext cx="8646694" cy="6766978"/>
+          </a:xfrm>
+        </p:spPr>
+      </p:pic>
+    </p:spTree>
+    <p:extLst>
+      <p:ext uri="{BB962C8B-B14F-4D97-AF65-F5344CB8AC3E}">
+        <p14:creationId xmlns:p14="http://schemas.microsoft.com/office/powerpoint/2010/main" val="2329751400"/>
+      </p:ext>
+    </p:extLst>
+  </p:cSld>
+  <p:clrMapOvr>
+    <a:masterClrMapping/>
+  </p:clrMapOvr>
+</p:sld>
+</file>
+
+<file path=ppt/slides/slide4.xml><?xml version="1.0" encoding="utf-8"?>
+<p:sld xmlns:a="http://schemas.openxmlformats.org/drawingml/2006/main" xmlns:r="http://schemas.openxmlformats.org/officeDocument/2006/relationships" xmlns:p="http://schemas.openxmlformats.org/presentationml/2006/main">
+  <p:cSld>
+    <p:spTree>
+      <p:nvGrpSpPr>
+        <p:cNvPr id="1" name=""/>
+        <p:cNvGrpSpPr/>
+        <p:nvPr/>
+      </p:nvGrpSpPr>
+      <p:grpSpPr>
+        <a:xfrm>
+          <a:off x="0" y="0"/>
+          <a:ext cx="0" cy="0"/>
+          <a:chOff x="0" y="0"/>
+          <a:chExt cx="0" cy="0"/>
+        </a:xfrm>
+      </p:grpSpPr>
+      <p:pic>
+        <p:nvPicPr>
           <p:cNvPr id="5" name="Picture 4">
             <a:extLst>
               <a:ext uri="{FF2B5EF4-FFF2-40B4-BE49-F238E27FC236}">
@@ -4246,7 +4683,73 @@
 </p:sld>
 </file>
 
-<file path=ppt/slides/slide4.xml><?xml version="1.0" encoding="utf-8"?>
+<file path=ppt/slides/slide5.xml><?xml version="1.0" encoding="utf-8"?>
+<p:sld xmlns:a="http://schemas.openxmlformats.org/drawingml/2006/main" xmlns:r="http://schemas.openxmlformats.org/officeDocument/2006/relationships" xmlns:p="http://schemas.openxmlformats.org/presentationml/2006/main">
+  <p:cSld>
+    <p:spTree>
+      <p:nvGrpSpPr>
+        <p:cNvPr id="1" name=""/>
+        <p:cNvGrpSpPr/>
+        <p:nvPr/>
+      </p:nvGrpSpPr>
+      <p:grpSpPr>
+        <a:xfrm>
+          <a:off x="0" y="0"/>
+          <a:ext cx="0" cy="0"/>
+          <a:chOff x="0" y="0"/>
+          <a:chExt cx="0" cy="0"/>
+        </a:xfrm>
+      </p:grpSpPr>
+      <p:pic>
+        <p:nvPicPr>
+          <p:cNvPr id="5" name="Picture 4">
+            <a:extLst>
+              <a:ext uri="{FF2B5EF4-FFF2-40B4-BE49-F238E27FC236}">
+                <a16:creationId xmlns:a16="http://schemas.microsoft.com/office/drawing/2014/main" id="{64E81B03-CE63-4FB2-82BE-2126958641E2}"/>
+              </a:ext>
+            </a:extLst>
+          </p:cNvPr>
+          <p:cNvPicPr>
+            <a:picLocks noChangeAspect="1"/>
+          </p:cNvPicPr>
+          <p:nvPr/>
+        </p:nvPicPr>
+        <p:blipFill>
+          <a:blip r:embed="rId2">
+            <a:extLst>
+              <a:ext uri="{28A0092B-C50C-407E-A947-70E740481C1C}">
+                <a14:useLocalDpi xmlns:a14="http://schemas.microsoft.com/office/drawing/2010/main" val="0"/>
+              </a:ext>
+            </a:extLst>
+          </a:blip>
+          <a:stretch>
+            <a:fillRect/>
+          </a:stretch>
+        </p:blipFill>
+        <p:spPr>
+          <a:xfrm>
+            <a:off x="2133600" y="16644"/>
+            <a:ext cx="7555832" cy="6796919"/>
+          </a:xfrm>
+          <a:prstGeom prst="rect">
+            <a:avLst/>
+          </a:prstGeom>
+        </p:spPr>
+      </p:pic>
+    </p:spTree>
+    <p:extLst>
+      <p:ext uri="{BB962C8B-B14F-4D97-AF65-F5344CB8AC3E}">
+        <p14:creationId xmlns:p14="http://schemas.microsoft.com/office/powerpoint/2010/main" val="1635629282"/>
+      </p:ext>
+    </p:extLst>
+  </p:cSld>
+  <p:clrMapOvr>
+    <a:masterClrMapping/>
+  </p:clrMapOvr>
+</p:sld>
+</file>
+
+<file path=ppt/slides/slide6.xml><?xml version="1.0" encoding="utf-8"?>
 <p:sld xmlns:a="http://schemas.openxmlformats.org/drawingml/2006/main" xmlns:r="http://schemas.openxmlformats.org/officeDocument/2006/relationships" xmlns:p="http://schemas.openxmlformats.org/presentationml/2006/main">
   <p:cSld>
     <p:spTree>
@@ -4312,7 +4815,7 @@
 </p:sld>
 </file>
 
-<file path=ppt/slides/slide5.xml><?xml version="1.0" encoding="utf-8"?>
+<file path=ppt/slides/slide7.xml><?xml version="1.0" encoding="utf-8"?>
 <p:sld xmlns:a="http://schemas.openxmlformats.org/drawingml/2006/main" xmlns:r="http://schemas.openxmlformats.org/officeDocument/2006/relationships" xmlns:p="http://schemas.openxmlformats.org/presentationml/2006/main">
   <p:cSld>
     <p:spTree>
@@ -4369,138 +4872,6 @@
     <p:extLst>
       <p:ext uri="{BB962C8B-B14F-4D97-AF65-F5344CB8AC3E}">
         <p14:creationId xmlns:p14="http://schemas.microsoft.com/office/powerpoint/2010/main" val="281094671"/>
-      </p:ext>
-    </p:extLst>
-  </p:cSld>
-  <p:clrMapOvr>
-    <a:masterClrMapping/>
-  </p:clrMapOvr>
-</p:sld>
-</file>
-
-<file path=ppt/slides/slide6.xml><?xml version="1.0" encoding="utf-8"?>
-<p:sld xmlns:a="http://schemas.openxmlformats.org/drawingml/2006/main" xmlns:r="http://schemas.openxmlformats.org/officeDocument/2006/relationships" xmlns:p="http://schemas.openxmlformats.org/presentationml/2006/main">
-  <p:cSld>
-    <p:spTree>
-      <p:nvGrpSpPr>
-        <p:cNvPr id="1" name=""/>
-        <p:cNvGrpSpPr/>
-        <p:nvPr/>
-      </p:nvGrpSpPr>
-      <p:grpSpPr>
-        <a:xfrm>
-          <a:off x="0" y="0"/>
-          <a:ext cx="0" cy="0"/>
-          <a:chOff x="0" y="0"/>
-          <a:chExt cx="0" cy="0"/>
-        </a:xfrm>
-      </p:grpSpPr>
-      <p:pic>
-        <p:nvPicPr>
-          <p:cNvPr id="5" name="Picture 4">
-            <a:extLst>
-              <a:ext uri="{FF2B5EF4-FFF2-40B4-BE49-F238E27FC236}">
-                <a16:creationId xmlns:a16="http://schemas.microsoft.com/office/drawing/2014/main" id="{02C50B6D-F028-4ACE-8A1D-10396EC1A94E}"/>
-              </a:ext>
-            </a:extLst>
-          </p:cNvPr>
-          <p:cNvPicPr>
-            <a:picLocks noChangeAspect="1"/>
-          </p:cNvPicPr>
-          <p:nvPr/>
-        </p:nvPicPr>
-        <p:blipFill>
-          <a:blip r:embed="rId2">
-            <a:extLst>
-              <a:ext uri="{28A0092B-C50C-407E-A947-70E740481C1C}">
-                <a14:useLocalDpi xmlns:a14="http://schemas.microsoft.com/office/drawing/2010/main" val="0"/>
-              </a:ext>
-            </a:extLst>
-          </a:blip>
-          <a:stretch>
-            <a:fillRect/>
-          </a:stretch>
-        </p:blipFill>
-        <p:spPr>
-          <a:xfrm>
-            <a:off x="64939" y="0"/>
-            <a:ext cx="12062121" cy="6858000"/>
-          </a:xfrm>
-          <a:prstGeom prst="rect">
-            <a:avLst/>
-          </a:prstGeom>
-        </p:spPr>
-      </p:pic>
-    </p:spTree>
-    <p:extLst>
-      <p:ext uri="{BB962C8B-B14F-4D97-AF65-F5344CB8AC3E}">
-        <p14:creationId xmlns:p14="http://schemas.microsoft.com/office/powerpoint/2010/main" val="3358237178"/>
-      </p:ext>
-    </p:extLst>
-  </p:cSld>
-  <p:clrMapOvr>
-    <a:masterClrMapping/>
-  </p:clrMapOvr>
-</p:sld>
-</file>
-
-<file path=ppt/slides/slide7.xml><?xml version="1.0" encoding="utf-8"?>
-<p:sld xmlns:a="http://schemas.openxmlformats.org/drawingml/2006/main" xmlns:r="http://schemas.openxmlformats.org/officeDocument/2006/relationships" xmlns:p="http://schemas.openxmlformats.org/presentationml/2006/main">
-  <p:cSld>
-    <p:spTree>
-      <p:nvGrpSpPr>
-        <p:cNvPr id="1" name=""/>
-        <p:cNvGrpSpPr/>
-        <p:nvPr/>
-      </p:nvGrpSpPr>
-      <p:grpSpPr>
-        <a:xfrm>
-          <a:off x="0" y="0"/>
-          <a:ext cx="0" cy="0"/>
-          <a:chOff x="0" y="0"/>
-          <a:chExt cx="0" cy="0"/>
-        </a:xfrm>
-      </p:grpSpPr>
-      <p:pic>
-        <p:nvPicPr>
-          <p:cNvPr id="5" name="Picture 4">
-            <a:extLst>
-              <a:ext uri="{FF2B5EF4-FFF2-40B4-BE49-F238E27FC236}">
-                <a16:creationId xmlns:a16="http://schemas.microsoft.com/office/drawing/2014/main" id="{0D5FAC56-55A8-4BFE-8D9C-2DF00B998599}"/>
-              </a:ext>
-            </a:extLst>
-          </p:cNvPr>
-          <p:cNvPicPr>
-            <a:picLocks noChangeAspect="1"/>
-          </p:cNvPicPr>
-          <p:nvPr/>
-        </p:nvPicPr>
-        <p:blipFill>
-          <a:blip r:embed="rId2">
-            <a:extLst>
-              <a:ext uri="{28A0092B-C50C-407E-A947-70E740481C1C}">
-                <a14:useLocalDpi xmlns:a14="http://schemas.microsoft.com/office/drawing/2010/main" val="0"/>
-              </a:ext>
-            </a:extLst>
-          </a:blip>
-          <a:stretch>
-            <a:fillRect/>
-          </a:stretch>
-        </p:blipFill>
-        <p:spPr>
-          <a:xfrm>
-            <a:off x="1842671" y="0"/>
-            <a:ext cx="8506657" cy="6858000"/>
-          </a:xfrm>
-          <a:prstGeom prst="rect">
-            <a:avLst/>
-          </a:prstGeom>
-        </p:spPr>
-      </p:pic>
-    </p:spTree>
-    <p:extLst>
-      <p:ext uri="{BB962C8B-B14F-4D97-AF65-F5344CB8AC3E}">
-        <p14:creationId xmlns:p14="http://schemas.microsoft.com/office/powerpoint/2010/main" val="2711361195"/>
       </p:ext>
     </p:extLst>
   </p:cSld>
@@ -4532,7 +4903,7 @@
           <p:cNvPr id="5" name="Picture 4">
             <a:extLst>
               <a:ext uri="{FF2B5EF4-FFF2-40B4-BE49-F238E27FC236}">
-                <a16:creationId xmlns:a16="http://schemas.microsoft.com/office/drawing/2014/main" id="{E008D182-C753-489F-8CB8-1C9B80D64BE8}"/>
+                <a16:creationId xmlns:a16="http://schemas.microsoft.com/office/drawing/2014/main" id="{02C50B6D-F028-4ACE-8A1D-10396EC1A94E}"/>
               </a:ext>
             </a:extLst>
           </p:cNvPr>
@@ -4555,8 +4926,8 @@
         </p:blipFill>
         <p:spPr>
           <a:xfrm>
-            <a:off x="3323880" y="0"/>
-            <a:ext cx="5544239" cy="6858000"/>
+            <a:off x="64939" y="0"/>
+            <a:ext cx="12062121" cy="6858000"/>
           </a:xfrm>
           <a:prstGeom prst="rect">
             <a:avLst/>
@@ -4566,7 +4937,7 @@
     </p:spTree>
     <p:extLst>
       <p:ext uri="{BB962C8B-B14F-4D97-AF65-F5344CB8AC3E}">
-        <p14:creationId xmlns:p14="http://schemas.microsoft.com/office/powerpoint/2010/main" val="3421989114"/>
+        <p14:creationId xmlns:p14="http://schemas.microsoft.com/office/powerpoint/2010/main" val="3358237178"/>
       </p:ext>
     </p:extLst>
   </p:cSld>
@@ -4595,10 +4966,10 @@
       </p:grpSpPr>
       <p:pic>
         <p:nvPicPr>
-          <p:cNvPr id="5" name="Picture 4">
-            <a:extLst>
-              <a:ext uri="{FF2B5EF4-FFF2-40B4-BE49-F238E27FC236}">
-                <a16:creationId xmlns:a16="http://schemas.microsoft.com/office/drawing/2014/main" id="{B4CE723A-13AB-4BA5-A8F2-1AF2EB487E6D}"/>
+          <p:cNvPr id="3" name="Picture 2">
+            <a:extLst>
+              <a:ext uri="{FF2B5EF4-FFF2-40B4-BE49-F238E27FC236}">
+                <a16:creationId xmlns:a16="http://schemas.microsoft.com/office/drawing/2014/main" id="{0B4A1B85-3B74-4755-8245-A48CD89C3899}"/>
               </a:ext>
             </a:extLst>
           </p:cNvPr>
@@ -4621,8 +4992,8 @@
         </p:blipFill>
         <p:spPr>
           <a:xfrm>
-            <a:off x="0" y="29066"/>
-            <a:ext cx="12192000" cy="6799868"/>
+            <a:off x="1714334" y="0"/>
+            <a:ext cx="8763331" cy="6858000"/>
           </a:xfrm>
           <a:prstGeom prst="rect">
             <a:avLst/>
@@ -4632,7 +5003,7 @@
     </p:spTree>
     <p:extLst>
       <p:ext uri="{BB962C8B-B14F-4D97-AF65-F5344CB8AC3E}">
-        <p14:creationId xmlns:p14="http://schemas.microsoft.com/office/powerpoint/2010/main" val="2104728722"/>
+        <p14:creationId xmlns:p14="http://schemas.microsoft.com/office/powerpoint/2010/main" val="2711361195"/>
       </p:ext>
     </p:extLst>
   </p:cSld>
